--- a/Quick Study on Huawei Harmony OS.pptx
+++ b/Quick Study on Huawei Harmony OS.pptx
@@ -1,30 +1,30 @@
 
 <file path=ppt/presentation.xml><?xml version="1.0" encoding="utf-8"?>
-<p:presentation xmlns:a="http://schemas.openxmlformats.org/drawingml/2006/main" xmlns:r="http://schemas.openxmlformats.org/officeDocument/2006/relationships" xmlns:p="http://schemas.openxmlformats.org/presentationml/2006/main" saveSubsetFonts="1">
+<p:presentation xmlns:a="http://schemas.openxmlformats.org/drawingml/2006/main" xmlns:r="http://schemas.openxmlformats.org/officeDocument/2006/relationships" xmlns:p="http://schemas.openxmlformats.org/presentationml/2006/main">
   <p:sldMasterIdLst>
     <p:sldMasterId id="2147483648" r:id="rId1"/>
   </p:sldMasterIdLst>
   <p:notesMasterIdLst>
-    <p:notesMasterId r:id="rId19"/>
+    <p:notesMasterId r:id="rId5"/>
   </p:notesMasterIdLst>
   <p:sldIdLst>
-    <p:sldId id="256" r:id="rId2"/>
-    <p:sldId id="265" r:id="rId3"/>
-    <p:sldId id="258" r:id="rId4"/>
-    <p:sldId id="279" r:id="rId5"/>
-    <p:sldId id="261" r:id="rId6"/>
-    <p:sldId id="260" r:id="rId7"/>
-    <p:sldId id="262" r:id="rId8"/>
-    <p:sldId id="263" r:id="rId9"/>
-    <p:sldId id="264" r:id="rId10"/>
-    <p:sldId id="266" r:id="rId11"/>
-    <p:sldId id="267" r:id="rId12"/>
-    <p:sldId id="274" r:id="rId13"/>
-    <p:sldId id="277" r:id="rId14"/>
-    <p:sldId id="275" r:id="rId15"/>
-    <p:sldId id="276" r:id="rId16"/>
-    <p:sldId id="278" r:id="rId17"/>
-    <p:sldId id="280" r:id="rId18"/>
+    <p:sldId id="256" r:id="rId3"/>
+    <p:sldId id="265" r:id="rId4"/>
+    <p:sldId id="258" r:id="rId6"/>
+    <p:sldId id="279" r:id="rId7"/>
+    <p:sldId id="261" r:id="rId8"/>
+    <p:sldId id="260" r:id="rId9"/>
+    <p:sldId id="262" r:id="rId10"/>
+    <p:sldId id="263" r:id="rId11"/>
+    <p:sldId id="264" r:id="rId12"/>
+    <p:sldId id="266" r:id="rId13"/>
+    <p:sldId id="267" r:id="rId14"/>
+    <p:sldId id="274" r:id="rId15"/>
+    <p:sldId id="277" r:id="rId16"/>
+    <p:sldId id="275" r:id="rId17"/>
+    <p:sldId id="276" r:id="rId18"/>
+    <p:sldId id="278" r:id="rId19"/>
+    <p:sldId id="280" r:id="rId20"/>
   </p:sldIdLst>
   <p:sldSz cx="12192000" cy="6858000"/>
   <p:notesSz cx="6858000" cy="9144000"/>
@@ -123,14 +123,6 @@
       </a:defRPr>
     </a:lvl9pPr>
   </p:defaultTextStyle>
-  <p:extLst>
-    <p:ext uri="{EFAFB233-063F-42B5-8137-9DF3F51BA10A}">
-      <p15:sldGuideLst xmlns:p15="http://schemas.microsoft.com/office/powerpoint/2012/main"/>
-    </p:ext>
-    <p:ext uri="{2D200454-40CA-4A62-9FC3-DE9A4176ACB9}">
-      <p15:notesGuideLst xmlns:p15="http://schemas.microsoft.com/office/powerpoint/2012/main"/>
-    </p:ext>
-  </p:extLst>
 </p:presentation>
 </file>
 
@@ -216,7 +208,6 @@
           <a:p>
             <a:fld id="{3EFD42F7-718C-4B98-AAEC-167E6DDD60A7}" type="datetimeFigureOut">
               <a:rPr lang="en-US" smtClean="0"/>
-              <a:t>8/16/2019</a:t>
             </a:fld>
             <a:endParaRPr lang="en-US"/>
           </a:p>
@@ -283,6 +274,7 @@
               <a:rPr lang="en-US"/>
               <a:t>Click to edit Master text styles</a:t>
             </a:r>
+            <a:endParaRPr lang="en-US"/>
           </a:p>
           <a:p>
             <a:pPr lvl="1"/>
@@ -290,6 +282,7 @@
               <a:rPr lang="en-US"/>
               <a:t>Second level</a:t>
             </a:r>
+            <a:endParaRPr lang="en-US"/>
           </a:p>
           <a:p>
             <a:pPr lvl="2"/>
@@ -297,6 +290,7 @@
               <a:rPr lang="en-US"/>
               <a:t>Third level</a:t>
             </a:r>
+            <a:endParaRPr lang="en-US"/>
           </a:p>
           <a:p>
             <a:pPr lvl="3"/>
@@ -304,6 +298,7 @@
               <a:rPr lang="en-US"/>
               <a:t>Fourth level</a:t>
             </a:r>
+            <a:endParaRPr lang="en-US"/>
           </a:p>
           <a:p>
             <a:pPr lvl="4"/>
@@ -311,6 +306,7 @@
               <a:rPr lang="en-US"/>
               <a:t>Fifth level</a:t>
             </a:r>
+            <a:endParaRPr lang="en-US"/>
           </a:p>
         </p:txBody>
       </p:sp>
@@ -374,7 +370,6 @@
           <a:p>
             <a:fld id="{21B2AA4F-B828-4D7C-AFD3-893933DAFCB4}" type="slidenum">
               <a:rPr lang="en-US" smtClean="0"/>
-              <a:t>‹#›</a:t>
             </a:fld>
             <a:endParaRPr lang="en-US"/>
           </a:p>
@@ -526,6 +521,7 @@
               <a:rPr lang="en-US"/>
               <a:t>https://github.com/Awesome-HarmonyOS/HarmonyOS</a:t>
             </a:r>
+            <a:endParaRPr lang="en-US"/>
           </a:p>
         </p:txBody>
       </p:sp>
@@ -546,7 +542,6 @@
           <a:p>
             <a:fld id="{21B2AA4F-B828-4D7C-AFD3-893933DAFCB4}" type="slidenum">
               <a:rPr lang="en-US" smtClean="0"/>
-              <a:t>2</a:t>
             </a:fld>
             <a:endParaRPr lang="en-US"/>
           </a:p>
@@ -608,6 +603,7 @@
               <a:rPr lang="en-US"/>
               <a:t>https://github.com/Awesome-HarmonyOS/HarmonyOS</a:t>
             </a:r>
+            <a:endParaRPr lang="en-US"/>
           </a:p>
         </p:txBody>
       </p:sp>
@@ -628,7 +624,6 @@
           <a:p>
             <a:fld id="{21B2AA4F-B828-4D7C-AFD3-893933DAFCB4}" type="slidenum">
               <a:rPr lang="en-US" smtClean="0"/>
-              <a:t>3</a:t>
             </a:fld>
             <a:endParaRPr lang="en-US"/>
           </a:p>
@@ -690,12 +685,14 @@
               <a:rPr lang="en-US"/>
               <a:t>所谓鸿蒙OS很可能就是共用同一个内核的一系列OS的统称，手机上跑的就是「鸿蒙微内核加持」 iTrustee OS + Android + EMUI，物联网开发可能就是「鸿蒙微内核加持」LiteOS。</a:t>
             </a:r>
+            <a:endParaRPr lang="en-US"/>
           </a:p>
           <a:p>
             <a:r>
               <a:rPr lang="en-US"/>
               <a:t>AIoT：操作系统的挑战</a:t>
             </a:r>
+            <a:endParaRPr lang="en-US"/>
           </a:p>
           <a:p>
             <a:endParaRPr lang="en-US"/>
@@ -705,6 +702,7 @@
               <a:rPr lang="en-US"/>
               <a:t>余承东首先宣布了华为5~10年长期战略，即向用户提供全场景全连接的智慧生活服务。余承东现场用了“1+8+N”这个关键词。</a:t>
             </a:r>
+            <a:endParaRPr lang="en-US"/>
           </a:p>
         </p:txBody>
       </p:sp>
@@ -725,7 +723,6 @@
           <a:p>
             <a:fld id="{21B2AA4F-B828-4D7C-AFD3-893933DAFCB4}" type="slidenum">
               <a:rPr lang="en-US" smtClean="0"/>
-              <a:t>4</a:t>
             </a:fld>
             <a:endParaRPr lang="en-US"/>
           </a:p>
@@ -787,12 +784,14 @@
               <a:rPr lang="en-US"/>
               <a:t>所谓鸿蒙OS很可能就是共用同一个内核的一系列OS的统称，手机上跑的就是「鸿蒙微内核加持」 iTrustee OS + Android + EMUI，物联网开发可能就是「鸿蒙微内核加持」LiteOS。</a:t>
             </a:r>
+            <a:endParaRPr lang="en-US"/>
           </a:p>
           <a:p>
             <a:r>
               <a:rPr lang="en-US"/>
               <a:t>AIoT：操作系统的挑战</a:t>
             </a:r>
+            <a:endParaRPr lang="en-US"/>
           </a:p>
           <a:p>
             <a:endParaRPr lang="en-US"/>
@@ -802,6 +801,7 @@
               <a:rPr lang="en-US"/>
               <a:t>余承东首先宣布了华为5~10年长期战略，即向用户提供全场景全连接的智慧生活服务。余承东现场用了“1+8+N”这个关键词。</a:t>
             </a:r>
+            <a:endParaRPr lang="en-US"/>
           </a:p>
         </p:txBody>
       </p:sp>
@@ -822,7 +822,6 @@
           <a:p>
             <a:fld id="{21B2AA4F-B828-4D7C-AFD3-893933DAFCB4}" type="slidenum">
               <a:rPr lang="en-US" smtClean="0"/>
-              <a:t>14</a:t>
             </a:fld>
             <a:endParaRPr lang="en-US"/>
           </a:p>
@@ -884,6 +883,7 @@
               <a:rPr lang="en-US"/>
               <a:t>通过形式化方法显著提升TEE内核安全，微内核形式化验证早就有 seL4 和 CertiKOS 这些先驱，这个「首次」难道是指首次用于TEE？那还真是第一个形式化验证的TEE。</a:t>
             </a:r>
+            <a:endParaRPr lang="en-US"/>
           </a:p>
         </p:txBody>
       </p:sp>
@@ -904,7 +904,6 @@
           <a:p>
             <a:fld id="{21B2AA4F-B828-4D7C-AFD3-893933DAFCB4}" type="slidenum">
               <a:rPr lang="en-US" smtClean="0"/>
-              <a:t>15</a:t>
             </a:fld>
             <a:endParaRPr lang="en-US"/>
           </a:p>
@@ -963,6 +962,7 @@
               <a:rPr lang="en-US"/>
               <a:t>Click to edit Master title style</a:t>
             </a:r>
+            <a:endParaRPr lang="en-US"/>
           </a:p>
         </p:txBody>
       </p:sp>
@@ -1027,6 +1027,7 @@
               <a:rPr lang="en-US"/>
               <a:t>Click to edit Master subtitle style</a:t>
             </a:r>
+            <a:endParaRPr lang="en-US"/>
           </a:p>
         </p:txBody>
       </p:sp>
@@ -1047,7 +1048,6 @@
           <a:p>
             <a:fld id="{FDE934FF-F4E1-47C5-9CA5-30A81DDE2BE4}" type="datetimeFigureOut">
               <a:rPr lang="en-US" smtClean="0"/>
-              <a:t>8/16/2019</a:t>
             </a:fld>
             <a:endParaRPr lang="en-US"/>
           </a:p>
@@ -1089,7 +1089,6 @@
           <a:p>
             <a:fld id="{B3561BA9-CDCF-4958-B8AB-66F3BF063E13}" type="slidenum">
               <a:rPr lang="en-US" smtClean="0"/>
-              <a:t>‹#›</a:t>
             </a:fld>
             <a:endParaRPr lang="en-US"/>
           </a:p>
@@ -1139,6 +1138,7 @@
               <a:rPr lang="en-US"/>
               <a:t>Click to edit Master title style</a:t>
             </a:r>
+            <a:endParaRPr lang="en-US"/>
           </a:p>
         </p:txBody>
       </p:sp>
@@ -1162,6 +1162,7 @@
               <a:rPr lang="en-US"/>
               <a:t>Click to edit Master text styles</a:t>
             </a:r>
+            <a:endParaRPr lang="en-US"/>
           </a:p>
           <a:p>
             <a:pPr lvl="1"/>
@@ -1169,6 +1170,7 @@
               <a:rPr lang="en-US"/>
               <a:t>Second level</a:t>
             </a:r>
+            <a:endParaRPr lang="en-US"/>
           </a:p>
           <a:p>
             <a:pPr lvl="2"/>
@@ -1176,6 +1178,7 @@
               <a:rPr lang="en-US"/>
               <a:t>Third level</a:t>
             </a:r>
+            <a:endParaRPr lang="en-US"/>
           </a:p>
           <a:p>
             <a:pPr lvl="3"/>
@@ -1183,6 +1186,7 @@
               <a:rPr lang="en-US"/>
               <a:t>Fourth level</a:t>
             </a:r>
+            <a:endParaRPr lang="en-US"/>
           </a:p>
           <a:p>
             <a:pPr lvl="4"/>
@@ -1190,6 +1194,7 @@
               <a:rPr lang="en-US"/>
               <a:t>Fifth level</a:t>
             </a:r>
+            <a:endParaRPr lang="en-US"/>
           </a:p>
         </p:txBody>
       </p:sp>
@@ -1210,7 +1215,6 @@
           <a:p>
             <a:fld id="{FDE934FF-F4E1-47C5-9CA5-30A81DDE2BE4}" type="datetimeFigureOut">
               <a:rPr lang="en-US" smtClean="0"/>
-              <a:t>8/16/2019</a:t>
             </a:fld>
             <a:endParaRPr lang="en-US"/>
           </a:p>
@@ -1252,7 +1256,6 @@
           <a:p>
             <a:fld id="{B3561BA9-CDCF-4958-B8AB-66F3BF063E13}" type="slidenum">
               <a:rPr lang="en-US" smtClean="0"/>
-              <a:t>‹#›</a:t>
             </a:fld>
             <a:endParaRPr lang="en-US"/>
           </a:p>
@@ -1307,6 +1310,7 @@
               <a:rPr lang="en-US"/>
               <a:t>Click to edit Master title style</a:t>
             </a:r>
+            <a:endParaRPr lang="en-US"/>
           </a:p>
         </p:txBody>
       </p:sp>
@@ -1335,6 +1339,7 @@
               <a:rPr lang="en-US"/>
               <a:t>Click to edit Master text styles</a:t>
             </a:r>
+            <a:endParaRPr lang="en-US"/>
           </a:p>
           <a:p>
             <a:pPr lvl="1"/>
@@ -1342,6 +1347,7 @@
               <a:rPr lang="en-US"/>
               <a:t>Second level</a:t>
             </a:r>
+            <a:endParaRPr lang="en-US"/>
           </a:p>
           <a:p>
             <a:pPr lvl="2"/>
@@ -1349,6 +1355,7 @@
               <a:rPr lang="en-US"/>
               <a:t>Third level</a:t>
             </a:r>
+            <a:endParaRPr lang="en-US"/>
           </a:p>
           <a:p>
             <a:pPr lvl="3"/>
@@ -1356,6 +1363,7 @@
               <a:rPr lang="en-US"/>
               <a:t>Fourth level</a:t>
             </a:r>
+            <a:endParaRPr lang="en-US"/>
           </a:p>
           <a:p>
             <a:pPr lvl="4"/>
@@ -1363,6 +1371,7 @@
               <a:rPr lang="en-US"/>
               <a:t>Fifth level</a:t>
             </a:r>
+            <a:endParaRPr lang="en-US"/>
           </a:p>
         </p:txBody>
       </p:sp>
@@ -1383,7 +1392,6 @@
           <a:p>
             <a:fld id="{FDE934FF-F4E1-47C5-9CA5-30A81DDE2BE4}" type="datetimeFigureOut">
               <a:rPr lang="en-US" smtClean="0"/>
-              <a:t>8/16/2019</a:t>
             </a:fld>
             <a:endParaRPr lang="en-US"/>
           </a:p>
@@ -1425,7 +1433,6 @@
           <a:p>
             <a:fld id="{B3561BA9-CDCF-4958-B8AB-66F3BF063E13}" type="slidenum">
               <a:rPr lang="en-US" smtClean="0"/>
-              <a:t>‹#›</a:t>
             </a:fld>
             <a:endParaRPr lang="en-US"/>
           </a:p>
@@ -1475,6 +1482,7 @@
               <a:rPr lang="en-US"/>
               <a:t>Click to edit Master title style</a:t>
             </a:r>
+            <a:endParaRPr lang="en-US"/>
           </a:p>
         </p:txBody>
       </p:sp>
@@ -1498,6 +1506,7 @@
               <a:rPr lang="en-US"/>
               <a:t>Click to edit Master text styles</a:t>
             </a:r>
+            <a:endParaRPr lang="en-US"/>
           </a:p>
           <a:p>
             <a:pPr lvl="1"/>
@@ -1505,6 +1514,7 @@
               <a:rPr lang="en-US"/>
               <a:t>Second level</a:t>
             </a:r>
+            <a:endParaRPr lang="en-US"/>
           </a:p>
           <a:p>
             <a:pPr lvl="2"/>
@@ -1512,6 +1522,7 @@
               <a:rPr lang="en-US"/>
               <a:t>Third level</a:t>
             </a:r>
+            <a:endParaRPr lang="en-US"/>
           </a:p>
           <a:p>
             <a:pPr lvl="3"/>
@@ -1519,6 +1530,7 @@
               <a:rPr lang="en-US"/>
               <a:t>Fourth level</a:t>
             </a:r>
+            <a:endParaRPr lang="en-US"/>
           </a:p>
           <a:p>
             <a:pPr lvl="4"/>
@@ -1526,6 +1538,7 @@
               <a:rPr lang="en-US"/>
               <a:t>Fifth level</a:t>
             </a:r>
+            <a:endParaRPr lang="en-US"/>
           </a:p>
         </p:txBody>
       </p:sp>
@@ -1546,7 +1559,6 @@
           <a:p>
             <a:fld id="{FDE934FF-F4E1-47C5-9CA5-30A81DDE2BE4}" type="datetimeFigureOut">
               <a:rPr lang="en-US" smtClean="0"/>
-              <a:t>8/16/2019</a:t>
             </a:fld>
             <a:endParaRPr lang="en-US"/>
           </a:p>
@@ -1588,7 +1600,6 @@
           <a:p>
             <a:fld id="{B3561BA9-CDCF-4958-B8AB-66F3BF063E13}" type="slidenum">
               <a:rPr lang="en-US" smtClean="0"/>
-              <a:t>‹#›</a:t>
             </a:fld>
             <a:endParaRPr lang="en-US"/>
           </a:p>
@@ -1647,6 +1658,7 @@
               <a:rPr lang="en-US"/>
               <a:t>Click to edit Master title style</a:t>
             </a:r>
+            <a:endParaRPr lang="en-US"/>
           </a:p>
         </p:txBody>
       </p:sp>
@@ -1766,6 +1778,7 @@
               <a:rPr lang="en-US"/>
               <a:t>Click to edit Master text styles</a:t>
             </a:r>
+            <a:endParaRPr lang="en-US"/>
           </a:p>
         </p:txBody>
       </p:sp>
@@ -1786,7 +1799,6 @@
           <a:p>
             <a:fld id="{FDE934FF-F4E1-47C5-9CA5-30A81DDE2BE4}" type="datetimeFigureOut">
               <a:rPr lang="en-US" smtClean="0"/>
-              <a:t>8/16/2019</a:t>
             </a:fld>
             <a:endParaRPr lang="en-US"/>
           </a:p>
@@ -1828,7 +1840,6 @@
           <a:p>
             <a:fld id="{B3561BA9-CDCF-4958-B8AB-66F3BF063E13}" type="slidenum">
               <a:rPr lang="en-US" smtClean="0"/>
-              <a:t>‹#›</a:t>
             </a:fld>
             <a:endParaRPr lang="en-US"/>
           </a:p>
@@ -1878,6 +1889,7 @@
               <a:rPr lang="en-US"/>
               <a:t>Click to edit Master title style</a:t>
             </a:r>
+            <a:endParaRPr lang="en-US"/>
           </a:p>
         </p:txBody>
       </p:sp>
@@ -1906,6 +1918,7 @@
               <a:rPr lang="en-US"/>
               <a:t>Click to edit Master text styles</a:t>
             </a:r>
+            <a:endParaRPr lang="en-US"/>
           </a:p>
           <a:p>
             <a:pPr lvl="1"/>
@@ -1913,6 +1926,7 @@
               <a:rPr lang="en-US"/>
               <a:t>Second level</a:t>
             </a:r>
+            <a:endParaRPr lang="en-US"/>
           </a:p>
           <a:p>
             <a:pPr lvl="2"/>
@@ -1920,6 +1934,7 @@
               <a:rPr lang="en-US"/>
               <a:t>Third level</a:t>
             </a:r>
+            <a:endParaRPr lang="en-US"/>
           </a:p>
           <a:p>
             <a:pPr lvl="3"/>
@@ -1927,6 +1942,7 @@
               <a:rPr lang="en-US"/>
               <a:t>Fourth level</a:t>
             </a:r>
+            <a:endParaRPr lang="en-US"/>
           </a:p>
           <a:p>
             <a:pPr lvl="4"/>
@@ -1934,6 +1950,7 @@
               <a:rPr lang="en-US"/>
               <a:t>Fifth level</a:t>
             </a:r>
+            <a:endParaRPr lang="en-US"/>
           </a:p>
         </p:txBody>
       </p:sp>
@@ -1962,6 +1979,7 @@
               <a:rPr lang="en-US"/>
               <a:t>Click to edit Master text styles</a:t>
             </a:r>
+            <a:endParaRPr lang="en-US"/>
           </a:p>
           <a:p>
             <a:pPr lvl="1"/>
@@ -1969,6 +1987,7 @@
               <a:rPr lang="en-US"/>
               <a:t>Second level</a:t>
             </a:r>
+            <a:endParaRPr lang="en-US"/>
           </a:p>
           <a:p>
             <a:pPr lvl="2"/>
@@ -1976,6 +1995,7 @@
               <a:rPr lang="en-US"/>
               <a:t>Third level</a:t>
             </a:r>
+            <a:endParaRPr lang="en-US"/>
           </a:p>
           <a:p>
             <a:pPr lvl="3"/>
@@ -1983,6 +2003,7 @@
               <a:rPr lang="en-US"/>
               <a:t>Fourth level</a:t>
             </a:r>
+            <a:endParaRPr lang="en-US"/>
           </a:p>
           <a:p>
             <a:pPr lvl="4"/>
@@ -1990,6 +2011,7 @@
               <a:rPr lang="en-US"/>
               <a:t>Fifth level</a:t>
             </a:r>
+            <a:endParaRPr lang="en-US"/>
           </a:p>
         </p:txBody>
       </p:sp>
@@ -2010,7 +2032,6 @@
           <a:p>
             <a:fld id="{FDE934FF-F4E1-47C5-9CA5-30A81DDE2BE4}" type="datetimeFigureOut">
               <a:rPr lang="en-US" smtClean="0"/>
-              <a:t>8/16/2019</a:t>
             </a:fld>
             <a:endParaRPr lang="en-US"/>
           </a:p>
@@ -2052,7 +2073,6 @@
           <a:p>
             <a:fld id="{B3561BA9-CDCF-4958-B8AB-66F3BF063E13}" type="slidenum">
               <a:rPr lang="en-US" smtClean="0"/>
-              <a:t>‹#›</a:t>
             </a:fld>
             <a:endParaRPr lang="en-US"/>
           </a:p>
@@ -2107,6 +2127,7 @@
               <a:rPr lang="en-US"/>
               <a:t>Click to edit Master title style</a:t>
             </a:r>
+            <a:endParaRPr lang="en-US"/>
           </a:p>
         </p:txBody>
       </p:sp>
@@ -2172,6 +2193,7 @@
               <a:rPr lang="en-US"/>
               <a:t>Click to edit Master text styles</a:t>
             </a:r>
+            <a:endParaRPr lang="en-US"/>
           </a:p>
         </p:txBody>
       </p:sp>
@@ -2200,6 +2222,7 @@
               <a:rPr lang="en-US"/>
               <a:t>Click to edit Master text styles</a:t>
             </a:r>
+            <a:endParaRPr lang="en-US"/>
           </a:p>
           <a:p>
             <a:pPr lvl="1"/>
@@ -2207,6 +2230,7 @@
               <a:rPr lang="en-US"/>
               <a:t>Second level</a:t>
             </a:r>
+            <a:endParaRPr lang="en-US"/>
           </a:p>
           <a:p>
             <a:pPr lvl="2"/>
@@ -2214,6 +2238,7 @@
               <a:rPr lang="en-US"/>
               <a:t>Third level</a:t>
             </a:r>
+            <a:endParaRPr lang="en-US"/>
           </a:p>
           <a:p>
             <a:pPr lvl="3"/>
@@ -2221,6 +2246,7 @@
               <a:rPr lang="en-US"/>
               <a:t>Fourth level</a:t>
             </a:r>
+            <a:endParaRPr lang="en-US"/>
           </a:p>
           <a:p>
             <a:pPr lvl="4"/>
@@ -2228,6 +2254,7 @@
               <a:rPr lang="en-US"/>
               <a:t>Fifth level</a:t>
             </a:r>
+            <a:endParaRPr lang="en-US"/>
           </a:p>
         </p:txBody>
       </p:sp>
@@ -2293,6 +2320,7 @@
               <a:rPr lang="en-US"/>
               <a:t>Click to edit Master text styles</a:t>
             </a:r>
+            <a:endParaRPr lang="en-US"/>
           </a:p>
         </p:txBody>
       </p:sp>
@@ -2321,6 +2349,7 @@
               <a:rPr lang="en-US"/>
               <a:t>Click to edit Master text styles</a:t>
             </a:r>
+            <a:endParaRPr lang="en-US"/>
           </a:p>
           <a:p>
             <a:pPr lvl="1"/>
@@ -2328,6 +2357,7 @@
               <a:rPr lang="en-US"/>
               <a:t>Second level</a:t>
             </a:r>
+            <a:endParaRPr lang="en-US"/>
           </a:p>
           <a:p>
             <a:pPr lvl="2"/>
@@ -2335,6 +2365,7 @@
               <a:rPr lang="en-US"/>
               <a:t>Third level</a:t>
             </a:r>
+            <a:endParaRPr lang="en-US"/>
           </a:p>
           <a:p>
             <a:pPr lvl="3"/>
@@ -2342,6 +2373,7 @@
               <a:rPr lang="en-US"/>
               <a:t>Fourth level</a:t>
             </a:r>
+            <a:endParaRPr lang="en-US"/>
           </a:p>
           <a:p>
             <a:pPr lvl="4"/>
@@ -2349,6 +2381,7 @@
               <a:rPr lang="en-US"/>
               <a:t>Fifth level</a:t>
             </a:r>
+            <a:endParaRPr lang="en-US"/>
           </a:p>
         </p:txBody>
       </p:sp>
@@ -2369,7 +2402,6 @@
           <a:p>
             <a:fld id="{FDE934FF-F4E1-47C5-9CA5-30A81DDE2BE4}" type="datetimeFigureOut">
               <a:rPr lang="en-US" smtClean="0"/>
-              <a:t>8/16/2019</a:t>
             </a:fld>
             <a:endParaRPr lang="en-US"/>
           </a:p>
@@ -2411,7 +2443,6 @@
           <a:p>
             <a:fld id="{B3561BA9-CDCF-4958-B8AB-66F3BF063E13}" type="slidenum">
               <a:rPr lang="en-US" smtClean="0"/>
-              <a:t>‹#›</a:t>
             </a:fld>
             <a:endParaRPr lang="en-US"/>
           </a:p>
@@ -2461,6 +2492,7 @@
               <a:rPr lang="en-US"/>
               <a:t>Click to edit Master title style</a:t>
             </a:r>
+            <a:endParaRPr lang="en-US"/>
           </a:p>
         </p:txBody>
       </p:sp>
@@ -2481,7 +2513,6 @@
           <a:p>
             <a:fld id="{FDE934FF-F4E1-47C5-9CA5-30A81DDE2BE4}" type="datetimeFigureOut">
               <a:rPr lang="en-US" smtClean="0"/>
-              <a:t>8/16/2019</a:t>
             </a:fld>
             <a:endParaRPr lang="en-US"/>
           </a:p>
@@ -2523,7 +2554,6 @@
           <a:p>
             <a:fld id="{B3561BA9-CDCF-4958-B8AB-66F3BF063E13}" type="slidenum">
               <a:rPr lang="en-US" smtClean="0"/>
-              <a:t>‹#›</a:t>
             </a:fld>
             <a:endParaRPr lang="en-US"/>
           </a:p>
@@ -2571,7 +2601,6 @@
           <a:p>
             <a:fld id="{FDE934FF-F4E1-47C5-9CA5-30A81DDE2BE4}" type="datetimeFigureOut">
               <a:rPr lang="en-US" smtClean="0"/>
-              <a:t>8/16/2019</a:t>
             </a:fld>
             <a:endParaRPr lang="en-US"/>
           </a:p>
@@ -2613,7 +2642,6 @@
           <a:p>
             <a:fld id="{B3561BA9-CDCF-4958-B8AB-66F3BF063E13}" type="slidenum">
               <a:rPr lang="en-US" smtClean="0"/>
-              <a:t>‹#›</a:t>
             </a:fld>
             <a:endParaRPr lang="en-US"/>
           </a:p>
@@ -2672,6 +2700,7 @@
               <a:rPr lang="en-US"/>
               <a:t>Click to edit Master title style</a:t>
             </a:r>
+            <a:endParaRPr lang="en-US"/>
           </a:p>
         </p:txBody>
       </p:sp>
@@ -2728,6 +2757,7 @@
               <a:rPr lang="en-US"/>
               <a:t>Click to edit Master text styles</a:t>
             </a:r>
+            <a:endParaRPr lang="en-US"/>
           </a:p>
           <a:p>
             <a:pPr lvl="1"/>
@@ -2735,6 +2765,7 @@
               <a:rPr lang="en-US"/>
               <a:t>Second level</a:t>
             </a:r>
+            <a:endParaRPr lang="en-US"/>
           </a:p>
           <a:p>
             <a:pPr lvl="2"/>
@@ -2742,6 +2773,7 @@
               <a:rPr lang="en-US"/>
               <a:t>Third level</a:t>
             </a:r>
+            <a:endParaRPr lang="en-US"/>
           </a:p>
           <a:p>
             <a:pPr lvl="3"/>
@@ -2749,6 +2781,7 @@
               <a:rPr lang="en-US"/>
               <a:t>Fourth level</a:t>
             </a:r>
+            <a:endParaRPr lang="en-US"/>
           </a:p>
           <a:p>
             <a:pPr lvl="4"/>
@@ -2756,6 +2789,7 @@
               <a:rPr lang="en-US"/>
               <a:t>Fifth level</a:t>
             </a:r>
+            <a:endParaRPr lang="en-US"/>
           </a:p>
         </p:txBody>
       </p:sp>
@@ -2821,6 +2855,7 @@
               <a:rPr lang="en-US"/>
               <a:t>Click to edit Master text styles</a:t>
             </a:r>
+            <a:endParaRPr lang="en-US"/>
           </a:p>
         </p:txBody>
       </p:sp>
@@ -2841,7 +2876,6 @@
           <a:p>
             <a:fld id="{FDE934FF-F4E1-47C5-9CA5-30A81DDE2BE4}" type="datetimeFigureOut">
               <a:rPr lang="en-US" smtClean="0"/>
-              <a:t>8/16/2019</a:t>
             </a:fld>
             <a:endParaRPr lang="en-US"/>
           </a:p>
@@ -2883,7 +2917,6 @@
           <a:p>
             <a:fld id="{B3561BA9-CDCF-4958-B8AB-66F3BF063E13}" type="slidenum">
               <a:rPr lang="en-US" smtClean="0"/>
-              <a:t>‹#›</a:t>
             </a:fld>
             <a:endParaRPr lang="en-US"/>
           </a:p>
@@ -2942,6 +2975,7 @@
               <a:rPr lang="en-US"/>
               <a:t>Click to edit Master title style</a:t>
             </a:r>
+            <a:endParaRPr lang="en-US"/>
           </a:p>
         </p:txBody>
       </p:sp>
@@ -3068,6 +3102,7 @@
               <a:rPr lang="en-US"/>
               <a:t>Click to edit Master text styles</a:t>
             </a:r>
+            <a:endParaRPr lang="en-US"/>
           </a:p>
         </p:txBody>
       </p:sp>
@@ -3088,7 +3123,6 @@
           <a:p>
             <a:fld id="{FDE934FF-F4E1-47C5-9CA5-30A81DDE2BE4}" type="datetimeFigureOut">
               <a:rPr lang="en-US" smtClean="0"/>
-              <a:t>8/16/2019</a:t>
             </a:fld>
             <a:endParaRPr lang="en-US"/>
           </a:p>
@@ -3130,7 +3164,6 @@
           <a:p>
             <a:fld id="{B3561BA9-CDCF-4958-B8AB-66F3BF063E13}" type="slidenum">
               <a:rPr lang="en-US" smtClean="0"/>
-              <a:t>‹#›</a:t>
             </a:fld>
             <a:endParaRPr lang="en-US"/>
           </a:p>
@@ -3195,6 +3228,7 @@
               <a:rPr lang="en-US"/>
               <a:t>Click to edit Master title style</a:t>
             </a:r>
+            <a:endParaRPr lang="en-US"/>
           </a:p>
         </p:txBody>
       </p:sp>
@@ -3228,6 +3262,7 @@
               <a:rPr lang="en-US"/>
               <a:t>Click to edit Master text styles</a:t>
             </a:r>
+            <a:endParaRPr lang="en-US"/>
           </a:p>
           <a:p>
             <a:pPr lvl="1"/>
@@ -3235,6 +3270,7 @@
               <a:rPr lang="en-US"/>
               <a:t>Second level</a:t>
             </a:r>
+            <a:endParaRPr lang="en-US"/>
           </a:p>
           <a:p>
             <a:pPr lvl="2"/>
@@ -3242,6 +3278,7 @@
               <a:rPr lang="en-US"/>
               <a:t>Third level</a:t>
             </a:r>
+            <a:endParaRPr lang="en-US"/>
           </a:p>
           <a:p>
             <a:pPr lvl="3"/>
@@ -3249,6 +3286,7 @@
               <a:rPr lang="en-US"/>
               <a:t>Fourth level</a:t>
             </a:r>
+            <a:endParaRPr lang="en-US"/>
           </a:p>
           <a:p>
             <a:pPr lvl="4"/>
@@ -3256,6 +3294,7 @@
               <a:rPr lang="en-US"/>
               <a:t>Fifth level</a:t>
             </a:r>
+            <a:endParaRPr lang="en-US"/>
           </a:p>
         </p:txBody>
       </p:sp>
@@ -3294,7 +3333,6 @@
           <a:p>
             <a:fld id="{FDE934FF-F4E1-47C5-9CA5-30A81DDE2BE4}" type="datetimeFigureOut">
               <a:rPr lang="en-US" smtClean="0"/>
-              <a:t>8/16/2019</a:t>
             </a:fld>
             <a:endParaRPr lang="en-US"/>
           </a:p>
@@ -3372,7 +3410,6 @@
           <a:p>
             <a:fld id="{B3561BA9-CDCF-4958-B8AB-66F3BF063E13}" type="slidenum">
               <a:rPr lang="en-US" smtClean="0"/>
-              <a:t>‹#›</a:t>
             </a:fld>
             <a:endParaRPr lang="en-US"/>
           </a:p>
@@ -3422,7 +3459,7 @@
         <a:spcBef>
           <a:spcPts val="1000"/>
         </a:spcBef>
-        <a:buFont typeface="Arial" charset="0"/>
+        <a:buFont typeface="Arial" panose="020B0604020202020204" pitchFamily="34" charset="0"/>
         <a:buChar char="•"/>
         <a:defRPr sz="2800" kern="1200">
           <a:solidFill>
@@ -3440,7 +3477,7 @@
         <a:spcBef>
           <a:spcPts val="500"/>
         </a:spcBef>
-        <a:buFont typeface="Arial" charset="0"/>
+        <a:buFont typeface="Arial" panose="020B0604020202020204" pitchFamily="34" charset="0"/>
         <a:buChar char="•"/>
         <a:defRPr sz="2400" kern="1200">
           <a:solidFill>
@@ -3458,7 +3495,7 @@
         <a:spcBef>
           <a:spcPts val="500"/>
         </a:spcBef>
-        <a:buFont typeface="Arial" charset="0"/>
+        <a:buFont typeface="Arial" panose="020B0604020202020204" pitchFamily="34" charset="0"/>
         <a:buChar char="•"/>
         <a:defRPr sz="2000" kern="1200">
           <a:solidFill>
@@ -3476,7 +3513,7 @@
         <a:spcBef>
           <a:spcPts val="500"/>
         </a:spcBef>
-        <a:buFont typeface="Arial" charset="0"/>
+        <a:buFont typeface="Arial" panose="020B0604020202020204" pitchFamily="34" charset="0"/>
         <a:buChar char="•"/>
         <a:defRPr sz="1800" kern="1200">
           <a:solidFill>
@@ -3494,7 +3531,7 @@
         <a:spcBef>
           <a:spcPts val="500"/>
         </a:spcBef>
-        <a:buFont typeface="Arial" charset="0"/>
+        <a:buFont typeface="Arial" panose="020B0604020202020204" pitchFamily="34" charset="0"/>
         <a:buChar char="•"/>
         <a:defRPr sz="1800" kern="1200">
           <a:solidFill>
@@ -3512,7 +3549,7 @@
         <a:spcBef>
           <a:spcPts val="500"/>
         </a:spcBef>
-        <a:buFont typeface="Arial" charset="0"/>
+        <a:buFont typeface="Arial" panose="020B0604020202020204" pitchFamily="34" charset="0"/>
         <a:buChar char="•"/>
         <a:defRPr sz="1800" kern="1200">
           <a:solidFill>
@@ -3530,7 +3567,7 @@
         <a:spcBef>
           <a:spcPts val="500"/>
         </a:spcBef>
-        <a:buFont typeface="Arial" charset="0"/>
+        <a:buFont typeface="Arial" panose="020B0604020202020204" pitchFamily="34" charset="0"/>
         <a:buChar char="•"/>
         <a:defRPr sz="1800" kern="1200">
           <a:solidFill>
@@ -3548,7 +3585,7 @@
         <a:spcBef>
           <a:spcPts val="500"/>
         </a:spcBef>
-        <a:buFont typeface="Arial" charset="0"/>
+        <a:buFont typeface="Arial" panose="020B0604020202020204" pitchFamily="34" charset="0"/>
         <a:buChar char="•"/>
         <a:defRPr sz="1800" kern="1200">
           <a:solidFill>
@@ -3566,7 +3603,7 @@
         <a:spcBef>
           <a:spcPts val="500"/>
         </a:spcBef>
-        <a:buFont typeface="Arial" charset="0"/>
+        <a:buFont typeface="Arial" panose="020B0604020202020204" pitchFamily="34" charset="0"/>
         <a:buChar char="•"/>
         <a:defRPr sz="1800" kern="1200">
           <a:solidFill>
@@ -3713,6 +3750,7 @@
               <a:rPr lang="x-none" altLang="en-US"/>
               <a:t>Quick Study on Huawei Harmony OS</a:t>
             </a:r>
+            <a:endParaRPr lang="x-none" altLang="en-US"/>
           </a:p>
         </p:txBody>
       </p:sp>
@@ -3742,12 +3780,14 @@
               <a:rPr lang="x-none" altLang="en-US"/>
               <a:t>Alan Zhang</a:t>
             </a:r>
+            <a:endParaRPr lang="x-none" altLang="en-US"/>
           </a:p>
           <a:p>
             <a:r>
               <a:rPr lang="x-none" altLang="en-US"/>
               <a:t>2019/08/15</a:t>
             </a:r>
+            <a:endParaRPr lang="x-none" altLang="en-US"/>
           </a:p>
         </p:txBody>
       </p:sp>
@@ -3797,6 +3837,7 @@
               <a:rPr lang="x-none" altLang="en-US" sz="3600"/>
               <a:t>Huawei LiteOS Sensor Management Framework</a:t>
             </a:r>
+            <a:endParaRPr lang="x-none" altLang="en-US" sz="3600"/>
           </a:p>
         </p:txBody>
       </p:sp>
@@ -3811,7 +3852,7 @@
           </p:nvPr>
         </p:nvPicPr>
         <p:blipFill>
-          <a:blip r:embed="rId2"/>
+          <a:blip r:embed="rId1"/>
           <a:stretch>
             <a:fillRect/>
           </a:stretch>
@@ -3852,6 +3893,7 @@
               <a:rPr lang="en-US"/>
               <a:t>传感框架提供多传感器统一管理。</a:t>
             </a:r>
+            <a:endParaRPr lang="en-US"/>
           </a:p>
         </p:txBody>
       </p:sp>
@@ -3899,6 +3941,7 @@
               <a:rPr lang="x-none" altLang="en-US"/>
               <a:t>Huawei LiteOS Security Framework</a:t>
             </a:r>
+            <a:endParaRPr lang="x-none" altLang="en-US"/>
           </a:p>
         </p:txBody>
       </p:sp>
@@ -3911,7 +3954,7 @@
           <p:nvPr/>
         </p:nvPicPr>
         <p:blipFill>
-          <a:blip r:embed="rId2"/>
+          <a:blip r:embed="rId1"/>
           <a:stretch>
             <a:fillRect/>
           </a:stretch>
@@ -3970,6 +4013,7 @@
               <a:rPr lang="x-none" altLang="en-US"/>
               <a:t>Backup</a:t>
             </a:r>
+            <a:endParaRPr lang="x-none" altLang="en-US"/>
           </a:p>
         </p:txBody>
       </p:sp>
@@ -4036,6 +4080,7 @@
               <a:rPr lang="x-none" altLang="en-US"/>
               <a:t>HarmonyOS Roadmap</a:t>
             </a:r>
+            <a:endParaRPr lang="x-none" altLang="en-US"/>
           </a:p>
         </p:txBody>
       </p:sp>
@@ -4050,7 +4095,7 @@
           </p:nvPr>
         </p:nvPicPr>
         <p:blipFill>
-          <a:blip r:embed="rId2"/>
+          <a:blip r:embed="rId1"/>
           <a:stretch>
             <a:fillRect/>
           </a:stretch>
@@ -4111,6 +4156,7 @@
               <a:rPr lang="x-none" altLang="en-US"/>
               <a:t>5~10 Year Plan for HarmonyOS Evoluation</a:t>
             </a:r>
+            <a:endParaRPr lang="x-none" altLang="en-US"/>
           </a:p>
         </p:txBody>
       </p:sp>
@@ -4125,7 +4171,7 @@
           </p:nvPr>
         </p:nvPicPr>
         <p:blipFill>
-          <a:blip r:embed="rId3"/>
+          <a:blip r:embed="rId1"/>
           <a:stretch>
             <a:fillRect/>
           </a:stretch>
@@ -4198,6 +4244,7 @@
               <a:rPr lang="en-US" sz="1600"/>
               <a:t>Android官方也提供了开源的 TEE OS ：Trusty TEE</a:t>
             </a:r>
+            <a:endParaRPr lang="en-US" sz="1600"/>
           </a:p>
         </p:txBody>
       </p:sp>
@@ -4212,7 +4259,7 @@
           </p:nvPr>
         </p:nvPicPr>
         <p:blipFill>
-          <a:blip r:embed="rId3"/>
+          <a:blip r:embed="rId1"/>
           <a:stretch>
             <a:fillRect/>
           </a:stretch>
@@ -4236,7 +4283,7 @@
           <p:nvPr/>
         </p:nvPicPr>
         <p:blipFill>
-          <a:blip r:embed="rId4"/>
+          <a:blip r:embed="rId2"/>
           <a:stretch>
             <a:fillRect/>
           </a:stretch>
@@ -4260,7 +4307,7 @@
           <p:nvPr/>
         </p:nvPicPr>
         <p:blipFill>
-          <a:blip r:embed="rId5"/>
+          <a:blip r:embed="rId3"/>
           <a:stretch>
             <a:fillRect/>
           </a:stretch>
@@ -4326,6 +4373,7 @@
               <a:rPr lang="en-US"/>
               <a:t>荣耀智慧屏</a:t>
             </a:r>
+            <a:endParaRPr lang="en-US"/>
           </a:p>
         </p:txBody>
       </p:sp>
@@ -4360,6 +4408,7 @@
               <a:rPr lang="en-US"/>
               <a:t>首发搭载鸿蒙操作系统2GB+16GB（标准版），</a:t>
             </a:r>
+            <a:endParaRPr lang="en-US"/>
           </a:p>
           <a:p>
             <a:pPr fontAlgn="auto">
@@ -4371,6 +4420,7 @@
               <a:rPr lang="en-US"/>
               <a:t>2GB+32GB（Pro版）55英寸三面无边全面屏设计，屏占比高达94%</a:t>
             </a:r>
+            <a:endParaRPr lang="en-US"/>
           </a:p>
           <a:p>
             <a:pPr fontAlgn="auto">
@@ -4382,6 +4432,7 @@
               <a:rPr lang="en-US"/>
               <a:t>搭载鸿鹄818智慧芯片、海思Hi3516DV300 NPU芯片</a:t>
             </a:r>
+            <a:endParaRPr lang="en-US"/>
           </a:p>
           <a:p>
             <a:pPr fontAlgn="auto">
@@ -4393,6 +4444,7 @@
               <a:rPr lang="en-US"/>
               <a:t>4K分辨率，最高亮度400nit，广色域达到87%NTSC，德国莱茵低蓝光护眼认证</a:t>
             </a:r>
+            <a:endParaRPr lang="en-US"/>
           </a:p>
           <a:p>
             <a:pPr fontAlgn="auto">
@@ -4404,6 +4456,7 @@
               <a:rPr lang="en-US"/>
               <a:t>6.9mm超窄机身、3D圆弧全金属无缝弯折中框</a:t>
             </a:r>
+            <a:endParaRPr lang="en-US"/>
           </a:p>
           <a:p>
             <a:pPr fontAlgn="auto">
@@ -4415,6 +4468,7 @@
               <a:rPr lang="en-US"/>
               <a:t>钻石纹理“美背”、炫彩呼吸灯、动态屏保、极简UI设计</a:t>
             </a:r>
+            <a:endParaRPr lang="en-US"/>
           </a:p>
           <a:p>
             <a:pPr fontAlgn="auto">
@@ -4426,6 +4480,7 @@
               <a:rPr lang="en-US"/>
               <a:t>标准版4*10w扬声器，无升降摄像头，Pro版6*10w扬声器，有升降摄像头</a:t>
             </a:r>
+            <a:endParaRPr lang="en-US"/>
           </a:p>
           <a:p>
             <a:pPr fontAlgn="auto">
@@ -4437,6 +4492,7 @@
               <a:rPr lang="en-US"/>
               <a:t>Huawei Histen专业音效提供华为视频、酷喵、芒果TV、极光TV四大视频平台内容</a:t>
             </a:r>
+            <a:endParaRPr lang="en-US"/>
           </a:p>
           <a:p>
             <a:pPr fontAlgn="auto">
@@ -4448,6 +4504,7 @@
               <a:rPr lang="en-US"/>
               <a:t>1秒唤醒、2秒开机，没时间放广告，未来也不会有广告</a:t>
             </a:r>
+            <a:endParaRPr lang="en-US"/>
           </a:p>
           <a:p>
             <a:pPr fontAlgn="auto">
@@ -4459,6 +4516,7 @@
               <a:rPr lang="en-US"/>
               <a:t>升降式摄像头，最高支持1080P视频，有10°俯仰</a:t>
             </a:r>
+            <a:endParaRPr lang="en-US"/>
           </a:p>
           <a:p>
             <a:pPr fontAlgn="auto">
@@ -4470,6 +4528,7 @@
               <a:rPr lang="en-US"/>
               <a:t>标准版3799（无升降式摄像头），Pro版4799</a:t>
             </a:r>
+            <a:endParaRPr lang="en-US"/>
           </a:p>
         </p:txBody>
       </p:sp>
@@ -4500,13 +4559,7 @@
       </p:grpSpPr>
       <p:sp>
         <p:nvSpPr>
-          <p:cNvPr id="2" name="Title 1">
-            <a:extLst>
-              <a:ext uri="{FF2B5EF4-FFF2-40B4-BE49-F238E27FC236}">
-                <a16:creationId xmlns:a16="http://schemas.microsoft.com/office/drawing/2014/main" id="{B2DB47E6-82F9-47FE-86F1-3931FC5B8BA3}"/>
-              </a:ext>
-            </a:extLst>
-          </p:cNvPr>
+          <p:cNvPr id="2" name="Title 1"/>
           <p:cNvSpPr>
             <a:spLocks noGrp="1"/>
           </p:cNvSpPr>
@@ -4523,18 +4576,13 @@
               <a:rPr lang="en-US" dirty="0"/>
               <a:t>Q &amp; A</a:t>
             </a:r>
-          </a:p>
-        </p:txBody>
-      </p:sp>
-      <p:sp>
-        <p:nvSpPr>
-          <p:cNvPr id="3" name="Content Placeholder 2">
-            <a:extLst>
-              <a:ext uri="{FF2B5EF4-FFF2-40B4-BE49-F238E27FC236}">
-                <a16:creationId xmlns:a16="http://schemas.microsoft.com/office/drawing/2014/main" id="{125C6286-617E-44FE-A8AC-BFF2CCF2C5D9}"/>
-              </a:ext>
-            </a:extLst>
-          </p:cNvPr>
+            <a:endParaRPr lang="en-US" dirty="0"/>
+          </a:p>
+        </p:txBody>
+      </p:sp>
+      <p:sp>
+        <p:nvSpPr>
+          <p:cNvPr id="3" name="Content Placeholder 2"/>
           <p:cNvSpPr>
             <a:spLocks noGrp="1"/>
           </p:cNvSpPr>
@@ -4558,6 +4606,7 @@
               <a:rPr lang="en-US" dirty="0"/>
               <a:t>1.	How is it compared Linux, Android and Chromium architecture? What’s similarity? How efficient it is in terms of memory footprint? Real time, Etc. </a:t>
             </a:r>
+            <a:endParaRPr lang="en-US" dirty="0"/>
           </a:p>
           <a:p>
             <a:pPr>
@@ -4753,6 +4802,7 @@
               <a:rPr lang="zh-CN" altLang="en-US" dirty="0"/>
               <a:t>对标。</a:t>
             </a:r>
+            <a:endParaRPr lang="zh-CN" altLang="en-US" dirty="0"/>
           </a:p>
           <a:p>
             <a:pPr>
@@ -4776,6 +4826,7 @@
               <a:rPr lang="en-US" dirty="0"/>
               <a:t>Will Linux and Android driver as well as Apps compatible with Harmony? They claim Android App can run on it.</a:t>
             </a:r>
+            <a:endParaRPr lang="en-US" dirty="0"/>
           </a:p>
           <a:p>
             <a:pPr>
@@ -4883,6 +4934,7 @@
               <a:rPr lang="zh-CN" altLang="en-US" dirty="0"/>
               <a:t>所做的一样。</a:t>
             </a:r>
+            <a:endParaRPr lang="zh-CN" altLang="en-US" dirty="0"/>
           </a:p>
           <a:p>
             <a:pPr>
@@ -4906,6 +4958,7 @@
               <a:rPr lang="en-US" dirty="0"/>
               <a:t>What’s their development tools?</a:t>
             </a:r>
+            <a:endParaRPr lang="en-US" dirty="0"/>
           </a:p>
           <a:p>
             <a:pPr>
@@ -4945,6 +4998,7 @@
               <a:rPr lang="zh-CN" altLang="en-US" dirty="0"/>
               <a:t>后才清楚。</a:t>
             </a:r>
+            <a:endParaRPr lang="zh-CN" altLang="en-US" dirty="0"/>
           </a:p>
           <a:p>
             <a:pPr>
@@ -4957,11 +5011,6 @@
         </p:txBody>
       </p:sp>
     </p:spTree>
-    <p:extLst>
-      <p:ext uri="{BB962C8B-B14F-4D97-AF65-F5344CB8AC3E}">
-        <p14:creationId xmlns:p14="http://schemas.microsoft.com/office/powerpoint/2010/main" val="763728490"/>
-      </p:ext>
-    </p:extLst>
   </p:cSld>
   <p:clrMapOvr>
     <a:masterClrMapping/>
@@ -5005,6 +5054,7 @@
               <a:rPr lang="x-none" altLang="en-US"/>
               <a:t>Summary</a:t>
             </a:r>
+            <a:endParaRPr lang="x-none" altLang="en-US"/>
           </a:p>
         </p:txBody>
       </p:sp>
@@ -5030,8 +5080,17 @@
             </a:pPr>
             <a:r>
               <a:rPr lang="x-none" altLang="en-US"/>
-              <a:t>Current HarmonyOS code repositoy only contains Huawei LiteOS which is a similar RTOS used in IoT terminal devices;</a:t>
-            </a:r>
+              <a:t>Current HarmonyOS code repositoy only contains Huawei LiteOS which is a similar </a:t>
+            </a:r>
+            <a:r>
+              <a:rPr lang="en-US" altLang="x-none"/>
+              <a:t>IoT OS</a:t>
+            </a:r>
+            <a:r>
+              <a:rPr lang="x-none" altLang="en-US"/>
+              <a:t> used in IoT terminal devices;</a:t>
+            </a:r>
+            <a:endParaRPr lang="x-none" altLang="en-US"/>
           </a:p>
           <a:p>
             <a:pPr fontAlgn="auto">
@@ -5043,6 +5102,7 @@
               <a:rPr lang="x-none" altLang="en-US"/>
               <a:t>Current HarmonyOS ONLY support ARM Cortex-M0，Cortex-M3，Cortex-M4，Cortex-M7等芯片架构.</a:t>
             </a:r>
+            <a:endParaRPr lang="x-none" altLang="en-US"/>
           </a:p>
         </p:txBody>
       </p:sp>
@@ -5090,6 +5150,7 @@
               <a:rPr lang="x-none" altLang="en-US"/>
               <a:t>What HarmonyOS is...</a:t>
             </a:r>
+            <a:endParaRPr lang="x-none" altLang="en-US"/>
           </a:p>
         </p:txBody>
       </p:sp>
@@ -5121,6 +5182,7 @@
               <a:rPr lang="x-none" altLang="en-US"/>
               <a:t>that has been deployed in smart screens, vehicle terminals and wearable terminals currently;</a:t>
             </a:r>
+            <a:endParaRPr lang="x-none" altLang="en-US"/>
           </a:p>
           <a:p>
             <a:pPr fontAlgn="auto">
@@ -5132,6 +5194,7 @@
               <a:rPr lang="x-none" altLang="en-US"/>
               <a:t>HarmonyOS has three layers of architecture. The first layer is the core, the second layer is the basic services, and the third layer is the program framework.</a:t>
             </a:r>
+            <a:endParaRPr lang="x-none" altLang="en-US"/>
           </a:p>
           <a:p>
             <a:pPr fontAlgn="auto">
@@ -5189,6 +5252,7 @@
               <a:rPr lang="x-none" altLang="en-US"/>
               <a:t>5~10 Year Plan for HarmonyOS Evoluation</a:t>
             </a:r>
+            <a:endParaRPr lang="x-none" altLang="en-US"/>
           </a:p>
         </p:txBody>
       </p:sp>
@@ -5203,7 +5267,7 @@
           </p:nvPr>
         </p:nvPicPr>
         <p:blipFill>
-          <a:blip r:embed="rId3"/>
+          <a:blip r:embed="rId1"/>
           <a:stretch>
             <a:fillRect/>
           </a:stretch>
@@ -5294,7 +5358,7 @@
               <a:lnSpc>
                 <a:spcPct val="150000"/>
               </a:lnSpc>
-              <a:buFont typeface="Arial" charset="0"/>
+              <a:buFont typeface="Arial" panose="020B0604020202020204" pitchFamily="34" charset="0"/>
               <a:buChar char="•"/>
             </a:pPr>
             <a:r>
@@ -5303,13 +5367,16 @@
               </a:rPr>
               <a:t>Target device coverage</a:t>
             </a:r>
+            <a:endParaRPr lang="x-none" altLang="en-US">
+              <a:sym typeface="+mn-ea"/>
+            </a:endParaRPr>
           </a:p>
           <a:p>
             <a:pPr marL="742950" lvl="1" indent="-285750" fontAlgn="auto">
               <a:lnSpc>
                 <a:spcPct val="150000"/>
               </a:lnSpc>
-              <a:buFont typeface="Arial" charset="0"/>
+              <a:buFont typeface="Arial" panose="020B0604020202020204" pitchFamily="34" charset="0"/>
               <a:buChar char="•"/>
             </a:pPr>
             <a:r>
@@ -5337,7 +5404,7 @@
               <a:lnSpc>
                 <a:spcPct val="150000"/>
               </a:lnSpc>
-              <a:buFont typeface="Arial" charset="0"/>
+              <a:buFont typeface="Arial" panose="020B0604020202020204" pitchFamily="34" charset="0"/>
               <a:buChar char="•"/>
             </a:pPr>
             <a:r>
@@ -5346,13 +5413,16 @@
               </a:rPr>
               <a:t>High performance IPC and CPU schedule mechanism</a:t>
             </a:r>
+            <a:endParaRPr lang="x-none" altLang="en-US">
+              <a:sym typeface="+mn-ea"/>
+            </a:endParaRPr>
           </a:p>
           <a:p>
             <a:pPr marL="742950" lvl="1" indent="-285750" fontAlgn="auto">
               <a:lnSpc>
                 <a:spcPct val="150000"/>
               </a:lnSpc>
-              <a:buFont typeface="Arial" charset="0"/>
+              <a:buFont typeface="Arial" panose="020B0604020202020204" pitchFamily="34" charset="0"/>
               <a:buChar char="•"/>
             </a:pPr>
             <a:r>
@@ -5374,7 +5444,7 @@
           <p:nvPr/>
         </p:nvPicPr>
         <p:blipFill>
-          <a:blip r:embed="rId2"/>
+          <a:blip r:embed="rId1"/>
           <a:stretch>
             <a:fillRect/>
           </a:stretch>
@@ -5398,7 +5468,7 @@
           <p:nvPr/>
         </p:nvPicPr>
         <p:blipFill>
-          <a:blip r:embed="rId3"/>
+          <a:blip r:embed="rId2"/>
           <a:stretch>
             <a:fillRect/>
           </a:stretch>
@@ -5489,7 +5559,7 @@
               <a:lnSpc>
                 <a:spcPct val="150000"/>
               </a:lnSpc>
-              <a:buFont typeface="Arial" charset="0"/>
+              <a:buFont typeface="Arial" panose="020B0604020202020204" pitchFamily="34" charset="0"/>
               <a:buChar char="•"/>
             </a:pPr>
             <a:r>
@@ -5498,13 +5568,16 @@
               </a:rPr>
               <a:t>Trusted security based on microkernel architecture</a:t>
             </a:r>
+            <a:endParaRPr lang="x-none" altLang="en-US">
+              <a:sym typeface="+mn-ea"/>
+            </a:endParaRPr>
           </a:p>
           <a:p>
             <a:pPr marL="742950" lvl="1" indent="-285750" fontAlgn="auto">
               <a:lnSpc>
                 <a:spcPct val="150000"/>
               </a:lnSpc>
-              <a:buFont typeface="Arial" charset="0"/>
+              <a:buFont typeface="Arial" panose="020B0604020202020204" pitchFamily="34" charset="0"/>
               <a:buChar char="•"/>
             </a:pPr>
             <a:r>
@@ -5520,7 +5593,7 @@
               <a:lnSpc>
                 <a:spcPct val="150000"/>
               </a:lnSpc>
-              <a:buFont typeface="Arial" charset="0"/>
+              <a:buFont typeface="Arial" panose="020B0604020202020204" pitchFamily="34" charset="0"/>
               <a:buChar char="•"/>
             </a:pPr>
             <a:r>
@@ -5529,13 +5602,16 @@
               </a:rPr>
               <a:t>Unified IDE</a:t>
             </a:r>
+            <a:endParaRPr lang="x-none" altLang="en-US">
+              <a:sym typeface="+mn-ea"/>
+            </a:endParaRPr>
           </a:p>
           <a:p>
             <a:pPr marL="742950" lvl="1" indent="-285750" fontAlgn="auto">
               <a:lnSpc>
                 <a:spcPct val="150000"/>
               </a:lnSpc>
-              <a:buFont typeface="Arial" charset="0"/>
+              <a:buFont typeface="Arial" panose="020B0604020202020204" pitchFamily="34" charset="0"/>
               <a:buChar char="•"/>
             </a:pPr>
             <a:r>
@@ -5557,7 +5633,7 @@
           <p:nvPr/>
         </p:nvPicPr>
         <p:blipFill>
-          <a:blip r:embed="rId2"/>
+          <a:blip r:embed="rId1"/>
           <a:stretch>
             <a:fillRect/>
           </a:stretch>
@@ -5581,7 +5657,7 @@
           <p:nvPr/>
         </p:nvPicPr>
         <p:blipFill>
-          <a:blip r:embed="rId3"/>
+          <a:blip r:embed="rId2"/>
           <a:stretch>
             <a:fillRect/>
           </a:stretch>
@@ -5640,6 +5716,7 @@
               <a:rPr lang="x-none" altLang="en-US"/>
               <a:t>Ecosystem Build</a:t>
             </a:r>
+            <a:endParaRPr lang="x-none" altLang="en-US"/>
           </a:p>
         </p:txBody>
       </p:sp>
@@ -5691,6 +5768,7 @@
               <a:rPr lang="x-none" altLang="en-US"/>
               <a:t> (no search shot)</a:t>
             </a:r>
+            <a:endParaRPr lang="x-none" altLang="en-US"/>
           </a:p>
         </p:txBody>
       </p:sp>
@@ -5747,6 +5825,7 @@
               <a:rPr lang="x-none" altLang="en-US" sz="2000"/>
               <a:t>- Only kernel part inside HarmonyOS code repository</a:t>
             </a:r>
+            <a:endParaRPr lang="x-none" altLang="en-US" sz="2000"/>
           </a:p>
         </p:txBody>
       </p:sp>
@@ -5793,6 +5872,7 @@
               <a:rPr lang="x-none" altLang="en-US"/>
               <a:t>。</a:t>
             </a:r>
+            <a:endParaRPr lang="x-none" altLang="en-US"/>
           </a:p>
           <a:p>
             <a:pPr fontAlgn="auto">
@@ -5804,6 +5884,7 @@
               <a:rPr lang="x-none" altLang="en-US"/>
               <a:t>LiteOS开源项目目前支持ARM Cortex-M0，Cortex-M3，Cortex-M4，Cortex-M7等芯片架构</a:t>
             </a:r>
+            <a:endParaRPr lang="x-none" altLang="en-US"/>
           </a:p>
           <a:p>
             <a:pPr fontAlgn="auto">
@@ -5815,6 +5896,7 @@
               <a:rPr lang="x-none" altLang="en-US"/>
               <a:t>LiteOS支持的开发板列表 Huawei LiteOS 联合业界主流MCU厂家，通过开发者活动，目前已经适配了30+ 通用 MCU开发套件，5套NB-IoT集成开发套件</a:t>
             </a:r>
+            <a:endParaRPr lang="x-none" altLang="en-US"/>
           </a:p>
         </p:txBody>
       </p:sp>
@@ -5827,7 +5909,7 @@
           <p:nvPr/>
         </p:nvPicPr>
         <p:blipFill>
-          <a:blip r:embed="rId2"/>
+          <a:blip r:embed="rId1"/>
           <a:stretch>
             <a:fillRect/>
           </a:stretch>
@@ -5888,6 +5970,7 @@
               <a:rPr lang="x-none" altLang="en-US"/>
               <a:t>Huawei LiteOS Inter-Connection Scenario</a:t>
             </a:r>
+            <a:endParaRPr lang="x-none" altLang="en-US"/>
           </a:p>
         </p:txBody>
       </p:sp>
@@ -5920,6 +6003,7 @@
               <a:rPr lang="en-US"/>
               <a:t>    互联框架解决不同协议终端的互联互通</a:t>
             </a:r>
+            <a:endParaRPr lang="en-US"/>
           </a:p>
           <a:p>
             <a:pPr fontAlgn="auto">
@@ -5931,6 +6015,7 @@
               <a:rPr lang="en-US"/>
               <a:t>    优化Mesh自组网能力，满足海量终端组网</a:t>
             </a:r>
+            <a:endParaRPr lang="en-US"/>
           </a:p>
         </p:txBody>
       </p:sp>
@@ -5943,7 +6028,7 @@
           <p:nvPr/>
         </p:nvPicPr>
         <p:blipFill>
-          <a:blip r:embed="rId2"/>
+          <a:blip r:embed="rId1"/>
           <a:stretch>
             <a:fillRect/>
           </a:stretch>
@@ -6217,8 +6302,6 @@
       </a:bgFillStyleLst>
     </a:fmtScheme>
   </a:themeElements>
-  <a:objectDefaults/>
-  <a:extraClrSchemeLst/>
   <a:extLst>
     <a:ext uri="{05A4C25C-085E-4340-85A3-A5531E510DB2}">
       <thm15:themeFamily xmlns:thm15="http://schemas.microsoft.com/office/thememl/2012/main" name="Office Theme" id="{62F939B6-93AF-4DB8-9C6B-D6C7DFDC589F}" vid="{4A3C46E8-61CC-4603-A589-7422A47A8E4A}"/>
@@ -6478,8 +6561,6 @@
       </a:bgFillStyleLst>
     </a:fmtScheme>
   </a:themeElements>
-  <a:objectDefaults/>
-  <a:extraClrSchemeLst/>
   <a:extLst>
     <a:ext uri="{05A4C25C-085E-4340-85A3-A5531E510DB2}">
       <thm15:themeFamily xmlns:thm15="http://schemas.microsoft.com/office/thememl/2012/main" name="Office Theme" id="{62F939B6-93AF-4DB8-9C6B-D6C7DFDC589F}" vid="{4A3C46E8-61CC-4603-A589-7422A47A8E4A}"/>
